--- a/bs05-03-hebrew-site.pptx
+++ b/bs05-03-hebrew-site.pptx
@@ -350,7 +350,7 @@
             <a:fld id="{1D8BD707-D9CF-40AE-B4C6-C98DA3205C09}" type="datetimeFigureOut">
               <a:rPr lang="en-US" smtClean="0"/>
               <a:pPr/>
-              <a:t>4/6/2022</a:t>
+              <a:t>4/7/2022</a:t>
             </a:fld>
             <a:endParaRPr lang="en-US" dirty="0"/>
           </a:p>
@@ -530,7 +530,7 @@
             <a:fld id="{1D8BD707-D9CF-40AE-B4C6-C98DA3205C09}" type="datetimeFigureOut">
               <a:rPr lang="en-US" smtClean="0"/>
               <a:pPr/>
-              <a:t>4/6/2022</a:t>
+              <a:t>4/7/2022</a:t>
             </a:fld>
             <a:endParaRPr lang="en-US" dirty="0"/>
           </a:p>
@@ -706,7 +706,7 @@
             <a:fld id="{1D8BD707-D9CF-40AE-B4C6-C98DA3205C09}" type="datetimeFigureOut">
               <a:rPr lang="en-US" smtClean="0"/>
               <a:pPr/>
-              <a:t>4/6/2022</a:t>
+              <a:t>4/7/2022</a:t>
             </a:fld>
             <a:endParaRPr lang="en-US" dirty="0"/>
           </a:p>
@@ -893,7 +893,7 @@
             <a:fld id="{1D8BD707-D9CF-40AE-B4C6-C98DA3205C09}" type="datetimeFigureOut">
               <a:rPr lang="en-US" smtClean="0"/>
               <a:pPr/>
-              <a:t>4/6/2022</a:t>
+              <a:t>4/7/2022</a:t>
             </a:fld>
             <a:endParaRPr lang="en-US" dirty="0"/>
           </a:p>
@@ -1014,7 +1014,7 @@
             <a:fld id="{1D8BD707-D9CF-40AE-B4C6-C98DA3205C09}" type="datetimeFigureOut">
               <a:rPr lang="en-US" smtClean="0"/>
               <a:pPr/>
-              <a:t>4/6/2022</a:t>
+              <a:t>4/7/2022</a:t>
             </a:fld>
             <a:endParaRPr lang="en-US" dirty="0"/>
           </a:p>
@@ -1396,7 +1396,7 @@
             <a:fld id="{1D8BD707-D9CF-40AE-B4C6-C98DA3205C09}" type="datetimeFigureOut">
               <a:rPr lang="en-US" smtClean="0"/>
               <a:pPr/>
-              <a:t>4/6/2022</a:t>
+              <a:t>4/7/2022</a:t>
             </a:fld>
             <a:endParaRPr lang="en-US" dirty="0"/>
           </a:p>
@@ -1835,7 +1835,7 @@
             <a:fld id="{1D8BD707-D9CF-40AE-B4C6-C98DA3205C09}" type="datetimeFigureOut">
               <a:rPr lang="en-US" smtClean="0"/>
               <a:pPr/>
-              <a:t>4/6/2022</a:t>
+              <a:t>4/7/2022</a:t>
             </a:fld>
             <a:endParaRPr lang="en-US" dirty="0"/>
           </a:p>
@@ -1955,7 +1955,7 @@
             <a:fld id="{1D8BD707-D9CF-40AE-B4C6-C98DA3205C09}" type="datetimeFigureOut">
               <a:rPr lang="en-US" smtClean="0"/>
               <a:pPr/>
-              <a:t>4/6/2022</a:t>
+              <a:t>4/7/2022</a:t>
             </a:fld>
             <a:endParaRPr lang="en-US" dirty="0"/>
           </a:p>
@@ -2047,7 +2047,7 @@
             <a:fld id="{1D8BD707-D9CF-40AE-B4C6-C98DA3205C09}" type="datetimeFigureOut">
               <a:rPr lang="en-US" smtClean="0"/>
               <a:pPr/>
-              <a:t>4/6/2022</a:t>
+              <a:t>4/7/2022</a:t>
             </a:fld>
             <a:endParaRPr lang="en-US" dirty="0"/>
           </a:p>
@@ -2333,7 +2333,7 @@
             <a:fld id="{1D8BD707-D9CF-40AE-B4C6-C98DA3205C09}" type="datetimeFigureOut">
               <a:rPr lang="en-US" smtClean="0"/>
               <a:pPr/>
-              <a:t>4/6/2022</a:t>
+              <a:t>4/7/2022</a:t>
             </a:fld>
             <a:endParaRPr lang="en-US" dirty="0"/>
           </a:p>
@@ -2596,7 +2596,7 @@
             <a:fld id="{1D8BD707-D9CF-40AE-B4C6-C98DA3205C09}" type="datetimeFigureOut">
               <a:rPr lang="en-US" smtClean="0"/>
               <a:pPr/>
-              <a:t>4/6/2022</a:t>
+              <a:t>4/7/2022</a:t>
             </a:fld>
             <a:endParaRPr lang="en-US" dirty="0"/>
           </a:p>
@@ -2874,7 +2874,7 @@
             <a:fld id="{1D8BD707-D9CF-40AE-B4C6-C98DA3205C09}" type="datetimeFigureOut">
               <a:rPr lang="en-US" smtClean="0"/>
               <a:pPr/>
-              <a:t>4/6/2022</a:t>
+              <a:t>4/7/2022</a:t>
             </a:fld>
             <a:endParaRPr lang="en-US" dirty="0"/>
           </a:p>
@@ -3307,7 +3307,7 @@
             </a:r>
             <a:r>
               <a:rPr lang="he-IL" sz="3600" dirty="0"/>
-              <a:t>) מילס</a:t>
+              <a:t>) מֵילס</a:t>
             </a:r>
             <a:endParaRPr lang="en-US" sz="3600" dirty="0"/>
           </a:p>
@@ -3355,7 +3355,7 @@
               <a:t> </a:t>
             </a:r>
             <a:r>
-              <a:rPr lang="en-US" sz="4000"/>
+              <a:rPr lang="en-US" sz="4000" dirty="0"/>
               <a:t>Bootstrap 5</a:t>
             </a:r>
             <a:br>
@@ -4131,19 +4131,28 @@
               </a:spcBef>
             </a:pPr>
             <a:r>
-              <a:rPr lang="he-IL" sz="3600" dirty="0"/>
-              <a:t>אפשר גם להלביש קלאס על שורה בטבלה.</a:t>
-            </a:r>
-          </a:p>
-          <a:p>
-            <a:pPr algn="r" rtl="1">
-              <a:spcBef>
-                <a:spcPts val="0"/>
-              </a:spcBef>
-            </a:pPr>
-            <a:r>
-              <a:rPr lang="he-IL" sz="3600" dirty="0"/>
-              <a:t>נריץ.</a:t>
+              <a:rPr lang="he-IL" sz="3600"/>
+              <a:t>שמים את הטבלה על רקע לבן.</a:t>
+            </a:r>
+            <a:endParaRPr lang="he-IL" sz="3600">
+              <a:solidFill>
+                <a:schemeClr val="tx1"/>
+              </a:solidFill>
+            </a:endParaRPr>
+          </a:p>
+          <a:p>
+            <a:pPr algn="r" rtl="1">
+              <a:spcBef>
+                <a:spcPts val="0"/>
+              </a:spcBef>
+            </a:pPr>
+            <a:r>
+              <a:rPr lang="he-IL" sz="3600"/>
+              <a:t>נריץ</a:t>
+            </a:r>
+            <a:r>
+              <a:rPr lang="he-IL" sz="3600" dirty="0"/>
+              <a:t>.</a:t>
             </a:r>
             <a:endParaRPr lang="he-IL" sz="3600" dirty="0">
               <a:solidFill>
@@ -4310,7 +4319,7 @@
               </a:rPr>
               <a:t>col-lg-10 col-xl-8 col-xxl-6</a:t>
             </a:r>
-            <a:endParaRPr lang="en-US" sz="3600" dirty="0">
+            <a:endParaRPr lang="he-IL" sz="3200" dirty="0">
               <a:solidFill>
                 <a:srgbClr val="0070C0"/>
               </a:solidFill>
@@ -6189,6 +6198,25 @@
             </a:pPr>
             <a:r>
               <a:rPr lang="he-IL" sz="3600" dirty="0"/>
+              <a:t>שמור לקובץ </a:t>
+            </a:r>
+            <a:r>
+              <a:rPr lang="en-US" sz="3600" dirty="0"/>
+              <a:t>oleh01a.html</a:t>
+            </a:r>
+            <a:r>
+              <a:rPr lang="he-IL" sz="3600" dirty="0"/>
+              <a:t>.</a:t>
+            </a:r>
+          </a:p>
+          <a:p>
+            <a:pPr algn="r" rtl="1">
+              <a:spcBef>
+                <a:spcPts val="0"/>
+              </a:spcBef>
+            </a:pPr>
+            <a:r>
+              <a:rPr lang="he-IL" sz="3600" dirty="0"/>
               <a:t>נגדיר את הדף כ-</a:t>
             </a:r>
             <a:r>
@@ -6510,7 +6538,7 @@
               </a:rPr>
               <a:t>dropdown-menu-dark</a:t>
             </a:r>
-            <a:endParaRPr lang="he-IL" sz="3600" dirty="0">
+            <a:endParaRPr lang="he-IL" sz="2800" dirty="0">
               <a:solidFill>
                 <a:schemeClr val="tx1"/>
               </a:solidFill>
@@ -6523,16 +6551,12 @@
               </a:spcBef>
             </a:pPr>
             <a:r>
-              <a:rPr lang="he-IL" sz="3600" dirty="0"/>
-              <a:t>שמור לקובץ </a:t>
-            </a:r>
-            <a:r>
-              <a:rPr lang="en-US" sz="3600" dirty="0"/>
-              <a:t>oleh01a.html</a:t>
-            </a:r>
-            <a:r>
-              <a:rPr lang="he-IL" sz="3600" dirty="0"/>
-              <a:t>.</a:t>
+              <a:rPr lang="he-IL" sz="3600" dirty="0">
+                <a:solidFill>
+                  <a:schemeClr val="tx1"/>
+                </a:solidFill>
+              </a:rPr>
+              <a:t>נשמור ונריץ.</a:t>
             </a:r>
           </a:p>
         </p:txBody>
@@ -7123,12 +7147,8 @@
               </a:spcBef>
             </a:pPr>
             <a:r>
-              <a:rPr lang="he-IL" sz="3600"/>
-              <a:t>שמור </a:t>
-            </a:r>
-            <a:r>
-              <a:rPr lang="he-IL" sz="3600" dirty="0"/>
-              <a:t>לקובץ </a:t>
+              <a:rPr lang="he-IL" sz="3600" dirty="0"/>
+              <a:t>שמור לקובץ </a:t>
             </a:r>
             <a:r>
               <a:rPr lang="en-US" sz="3600" dirty="0"/>
@@ -7180,125 +7200,6 @@
               <a:t>אתר בעברית</a:t>
             </a:r>
             <a:endParaRPr lang="en-US" sz="4400" b="1" dirty="0"/>
-          </a:p>
-        </p:txBody>
-      </p:sp>
-      <p:sp>
-        <p:nvSpPr>
-          <p:cNvPr id="4" name="Rectangle 1">
-            <a:extLst>
-              <a:ext uri="{FF2B5EF4-FFF2-40B4-BE49-F238E27FC236}">
-                <a16:creationId xmlns:a16="http://schemas.microsoft.com/office/drawing/2014/main" id="{8C596A39-F05C-4E73-B26E-7A1CA2585293}"/>
-              </a:ext>
-            </a:extLst>
-          </p:cNvPr>
-          <p:cNvSpPr>
-            <a:spLocks noChangeArrowheads="1"/>
-          </p:cNvSpPr>
-          <p:nvPr/>
-        </p:nvSpPr>
-        <p:spPr bwMode="auto">
-          <a:xfrm>
-            <a:off x="0" y="0"/>
-            <a:ext cx="9144000" cy="457200"/>
-          </a:xfrm>
-          <a:prstGeom prst="rect">
-            <a:avLst/>
-          </a:prstGeom>
-          <a:noFill/>
-          <a:ln>
-            <a:noFill/>
-          </a:ln>
-          <a:effectLst/>
-          <a:extLst>
-            <a:ext uri="{909E8E84-426E-40DD-AFC4-6F175D3DCCD1}">
-              <a14:hiddenFill xmlns:a14="http://schemas.microsoft.com/office/drawing/2010/main">
-                <a:solidFill>
-                  <a:schemeClr val="accent1"/>
-                </a:solidFill>
-              </a14:hiddenFill>
-            </a:ext>
-            <a:ext uri="{91240B29-F687-4F45-9708-019B960494DF}">
-              <a14:hiddenLine xmlns:a14="http://schemas.microsoft.com/office/drawing/2010/main" w="9525">
-                <a:solidFill>
-                  <a:schemeClr val="tx1"/>
-                </a:solidFill>
-                <a:miter lim="800000"/>
-                <a:headEnd/>
-                <a:tailEnd/>
-              </a14:hiddenLine>
-            </a:ext>
-            <a:ext uri="{AF507438-7753-43E0-B8FC-AC1667EBCBE1}">
-              <a14:hiddenEffects xmlns:a14="http://schemas.microsoft.com/office/drawing/2010/main">
-                <a:effectLst>
-                  <a:outerShdw dist="35921" dir="2700000" algn="ctr" rotWithShape="0">
-                    <a:schemeClr val="bg2"/>
-                  </a:outerShdw>
-                </a:effectLst>
-              </a14:hiddenEffects>
-            </a:ext>
-          </a:extLst>
-        </p:spPr>
-        <p:txBody>
-          <a:bodyPr vert="horz" wrap="none" lIns="91440" tIns="45720" rIns="91440" bIns="45720" numCol="1" anchor="ctr" anchorCtr="0" compatLnSpc="1">
-            <a:prstTxWarp prst="textNoShape">
-              <a:avLst/>
-            </a:prstTxWarp>
-            <a:spAutoFit/>
-          </a:bodyPr>
-          <a:lstStyle/>
-          <a:p>
-            <a:pPr marL="0" marR="0" lvl="0" indent="0" algn="l" defTabSz="914400" rtl="0" eaLnBrk="0" fontAlgn="base" latinLnBrk="0" hangingPunct="0">
-              <a:lnSpc>
-                <a:spcPct val="100000"/>
-              </a:lnSpc>
-              <a:spcBef>
-                <a:spcPct val="0"/>
-              </a:spcBef>
-              <a:spcAft>
-                <a:spcPct val="0"/>
-              </a:spcAft>
-              <a:buClrTx/>
-              <a:buSzTx/>
-              <a:buFontTx/>
-              <a:buNone/>
-              <a:tabLst/>
-            </a:pPr>
-            <a:r>
-              <a:rPr kumimoji="0" lang="he-IL" altLang="he-IL" sz="1000" b="0" i="0" u="none" strike="noStrike" cap="none" normalizeH="0" baseline="0">
-                <a:ln>
-                  <a:noFill/>
-                </a:ln>
-                <a:solidFill>
-                  <a:srgbClr val="D73038"/>
-                </a:solidFill>
-                <a:effectLst/>
-                <a:latin typeface="var(--bs-font-monospace)"/>
-              </a:rPr>
-              <a:t>navbar-expand-lg</a:t>
-            </a:r>
-            <a:r>
-              <a:rPr kumimoji="0" lang="he-IL" altLang="he-IL" sz="600" b="0" i="0" u="none" strike="noStrike" cap="none" normalizeH="0" baseline="0">
-                <a:ln>
-                  <a:noFill/>
-                </a:ln>
-                <a:solidFill>
-                  <a:schemeClr val="tx1"/>
-                </a:solidFill>
-                <a:effectLst/>
-              </a:rPr>
-              <a:t> </a:t>
-            </a:r>
-            <a:endParaRPr kumimoji="0" lang="he-IL" altLang="he-IL" sz="1800" b="0" i="0" u="none" strike="noStrike" cap="none" normalizeH="0" baseline="0">
-              <a:ln>
-                <a:noFill/>
-              </a:ln>
-              <a:solidFill>
-                <a:schemeClr val="tx1"/>
-              </a:solidFill>
-              <a:effectLst/>
-              <a:latin typeface="Arial" panose="020B0604020202020204" pitchFamily="34" charset="0"/>
-            </a:endParaRPr>
           </a:p>
         </p:txBody>
       </p:sp>
